--- a/materials/presentations/Modele Spojnosci.pptx
+++ b/materials/presentations/Modele Spojnosci.pptx
@@ -9216,7 +9216,7 @@
           <a:p>
             <a:fld id="{36867AE4-93F8-420B-AB0B-B9821B4F7D47}" type="datetimeFigureOut">
               <a:rPr lang="pl-PL" smtClean="0"/>
-              <a:t>2020-11-15</a:t>
+              <a:t>02.12.2021</a:t>
             </a:fld>
             <a:endParaRPr lang="pl-PL"/>
           </a:p>
@@ -10692,7 +10692,7 @@
             <a:fld id="{B61BEF0D-F0BB-DE4B-95CE-6DB70DBA9567}" type="datetimeFigureOut">
               <a:rPr lang="en-US" dirty="0"/>
               <a:pPr/>
-              <a:t>11/15/2020</a:t>
+              <a:t>12/2/2021</a:t>
             </a:fld>
             <a:endParaRPr lang="en-US" dirty="0"/>
           </a:p>
@@ -11125,7 +11125,7 @@
             <a:fld id="{B61BEF0D-F0BB-DE4B-95CE-6DB70DBA9567}" type="datetimeFigureOut">
               <a:rPr lang="en-US" dirty="0"/>
               <a:pPr/>
-              <a:t>11/15/2020</a:t>
+              <a:t>12/2/2021</a:t>
             </a:fld>
             <a:endParaRPr lang="en-US" dirty="0"/>
           </a:p>
@@ -11372,7 +11372,7 @@
             <a:fld id="{B61BEF0D-F0BB-DE4B-95CE-6DB70DBA9567}" type="datetimeFigureOut">
               <a:rPr lang="en-US" dirty="0"/>
               <a:pPr/>
-              <a:t>11/15/2020</a:t>
+              <a:t>12/2/2021</a:t>
             </a:fld>
             <a:endParaRPr lang="en-US" dirty="0"/>
           </a:p>
@@ -11677,7 +11677,7 @@
             <a:fld id="{B61BEF0D-F0BB-DE4B-95CE-6DB70DBA9567}" type="datetimeFigureOut">
               <a:rPr lang="en-US" dirty="0"/>
               <a:pPr/>
-              <a:t>11/15/2020</a:t>
+              <a:t>12/2/2021</a:t>
             </a:fld>
             <a:endParaRPr lang="en-US" dirty="0"/>
           </a:p>
@@ -11992,7 +11992,7 @@
             <a:fld id="{B61BEF0D-F0BB-DE4B-95CE-6DB70DBA9567}" type="datetimeFigureOut">
               <a:rPr lang="en-US" dirty="0"/>
               <a:pPr/>
-              <a:t>11/15/2020</a:t>
+              <a:t>12/2/2021</a:t>
             </a:fld>
             <a:endParaRPr lang="en-US" dirty="0"/>
           </a:p>
@@ -12291,7 +12291,7 @@
             <a:fld id="{B61BEF0D-F0BB-DE4B-95CE-6DB70DBA9567}" type="datetimeFigureOut">
               <a:rPr lang="en-US" dirty="0"/>
               <a:pPr/>
-              <a:t>11/15/2020</a:t>
+              <a:t>12/2/2021</a:t>
             </a:fld>
             <a:endParaRPr lang="en-US" dirty="0"/>
           </a:p>
@@ -12655,7 +12655,7 @@
             <a:fld id="{B61BEF0D-F0BB-DE4B-95CE-6DB70DBA9567}" type="datetimeFigureOut">
               <a:rPr lang="en-US" dirty="0"/>
               <a:pPr/>
-              <a:t>11/15/2020</a:t>
+              <a:t>12/2/2021</a:t>
             </a:fld>
             <a:endParaRPr lang="en-US" dirty="0"/>
           </a:p>
@@ -12826,7 +12826,7 @@
             <a:fld id="{B61BEF0D-F0BB-DE4B-95CE-6DB70DBA9567}" type="datetimeFigureOut">
               <a:rPr lang="en-US" dirty="0"/>
               <a:pPr/>
-              <a:t>11/15/2020</a:t>
+              <a:t>12/2/2021</a:t>
             </a:fld>
             <a:endParaRPr lang="en-US" dirty="0"/>
           </a:p>
@@ -13003,7 +13003,7 @@
             <a:fld id="{B61BEF0D-F0BB-DE4B-95CE-6DB70DBA9567}" type="datetimeFigureOut">
               <a:rPr lang="en-US" dirty="0"/>
               <a:pPr/>
-              <a:t>11/15/2020</a:t>
+              <a:t>12/2/2021</a:t>
             </a:fld>
             <a:endParaRPr lang="en-US" dirty="0"/>
           </a:p>
@@ -13170,7 +13170,7 @@
             <a:fld id="{B61BEF0D-F0BB-DE4B-95CE-6DB70DBA9567}" type="datetimeFigureOut">
               <a:rPr lang="en-US" dirty="0"/>
               <a:pPr/>
-              <a:t>11/15/2020</a:t>
+              <a:t>12/2/2021</a:t>
             </a:fld>
             <a:endParaRPr lang="en-US" dirty="0"/>
           </a:p>
@@ -13417,7 +13417,7 @@
             <a:fld id="{B61BEF0D-F0BB-DE4B-95CE-6DB70DBA9567}" type="datetimeFigureOut">
               <a:rPr lang="en-US" dirty="0"/>
               <a:pPr/>
-              <a:t>11/15/2020</a:t>
+              <a:t>12/2/2021</a:t>
             </a:fld>
             <a:endParaRPr lang="en-US" dirty="0"/>
           </a:p>
@@ -13650,7 +13650,7 @@
             <a:fld id="{B61BEF0D-F0BB-DE4B-95CE-6DB70DBA9567}" type="datetimeFigureOut">
               <a:rPr lang="en-US" dirty="0"/>
               <a:pPr/>
-              <a:t>11/15/2020</a:t>
+              <a:t>12/2/2021</a:t>
             </a:fld>
             <a:endParaRPr lang="en-US" dirty="0"/>
           </a:p>
@@ -14029,7 +14029,7 @@
             <a:fld id="{B61BEF0D-F0BB-DE4B-95CE-6DB70DBA9567}" type="datetimeFigureOut">
               <a:rPr lang="en-US" dirty="0"/>
               <a:pPr/>
-              <a:t>11/15/2020</a:t>
+              <a:t>12/2/2021</a:t>
             </a:fld>
             <a:endParaRPr lang="en-US" dirty="0"/>
           </a:p>
@@ -14144,7 +14144,7 @@
             <a:fld id="{B61BEF0D-F0BB-DE4B-95CE-6DB70DBA9567}" type="datetimeFigureOut">
               <a:rPr lang="en-US" dirty="0"/>
               <a:pPr/>
-              <a:t>11/15/2020</a:t>
+              <a:t>12/2/2021</a:t>
             </a:fld>
             <a:endParaRPr lang="en-US" dirty="0"/>
           </a:p>
@@ -14236,7 +14236,7 @@
             <a:fld id="{B61BEF0D-F0BB-DE4B-95CE-6DB70DBA9567}" type="datetimeFigureOut">
               <a:rPr lang="en-US" dirty="0"/>
               <a:pPr/>
-              <a:t>11/15/2020</a:t>
+              <a:t>12/2/2021</a:t>
             </a:fld>
             <a:endParaRPr lang="en-US" dirty="0"/>
           </a:p>
@@ -14488,7 +14488,7 @@
             <a:fld id="{B61BEF0D-F0BB-DE4B-95CE-6DB70DBA9567}" type="datetimeFigureOut">
               <a:rPr lang="en-US" dirty="0"/>
               <a:pPr/>
-              <a:t>11/15/2020</a:t>
+              <a:t>12/2/2021</a:t>
             </a:fld>
             <a:endParaRPr lang="en-US" dirty="0"/>
           </a:p>
@@ -14768,7 +14768,7 @@
             <a:fld id="{B61BEF0D-F0BB-DE4B-95CE-6DB70DBA9567}" type="datetimeFigureOut">
               <a:rPr lang="en-US" dirty="0"/>
               <a:pPr/>
-              <a:t>11/15/2020</a:t>
+              <a:t>12/2/2021</a:t>
             </a:fld>
             <a:endParaRPr lang="en-US" dirty="0"/>
           </a:p>
@@ -15171,7 +15171,7 @@
             <a:fld id="{B61BEF0D-F0BB-DE4B-95CE-6DB70DBA9567}" type="datetimeFigureOut">
               <a:rPr lang="en-US" dirty="0"/>
               <a:pPr/>
-              <a:t>11/15/2020</a:t>
+              <a:t>12/2/2021</a:t>
             </a:fld>
             <a:endParaRPr lang="en-US" dirty="0"/>
           </a:p>
@@ -15752,39 +15752,18 @@
           <a:lstStyle/>
           <a:p>
             <a:r>
-              <a:rPr lang="pl-PL" b="1" dirty="0">
+              <a:rPr lang="en-US" sz="2400">
                 <a:solidFill>
                   <a:schemeClr val="tx1"/>
                 </a:solidFill>
               </a:rPr>
-              <a:t>Temat</a:t>
+              <a:t>Spójność</a:t>
             </a:r>
-            <a:r>
-              <a:rPr lang="pl-PL" dirty="0">
-                <a:solidFill>
-                  <a:schemeClr val="tx1"/>
-                </a:solidFill>
-              </a:rPr>
-              <a:t>: Spójność</a:t>
-            </a:r>
-          </a:p>
-          <a:p>
-            <a:r>
-              <a:rPr lang="pl-PL" b="1" dirty="0">
-                <a:solidFill>
-                  <a:schemeClr val="tx1"/>
-                </a:solidFill>
-              </a:rPr>
-              <a:t>Autor</a:t>
-            </a:r>
-            <a:r>
-              <a:rPr lang="pl-PL" dirty="0">
-                <a:solidFill>
-                  <a:schemeClr val="tx1"/>
-                </a:solidFill>
-              </a:rPr>
-              <a:t>: mgr inż. Bartłomiej Parowicz</a:t>
-            </a:r>
+            <a:endParaRPr lang="pl-PL" sz="2400" dirty="0">
+              <a:solidFill>
+                <a:schemeClr val="tx1"/>
+              </a:solidFill>
+            </a:endParaRPr>
           </a:p>
           <a:p>
             <a:br>

--- a/materials/presentations/Modele Spojnosci.pptx
+++ b/materials/presentations/Modele Spojnosci.pptx
@@ -11,12 +11,12 @@
     <p:sldId id="256" r:id="rId2"/>
     <p:sldId id="269" r:id="rId3"/>
     <p:sldId id="259" r:id="rId4"/>
-    <p:sldId id="263" r:id="rId5"/>
-    <p:sldId id="260" r:id="rId6"/>
-    <p:sldId id="261" r:id="rId7"/>
-    <p:sldId id="268" r:id="rId8"/>
-    <p:sldId id="262" r:id="rId9"/>
-    <p:sldId id="266" r:id="rId10"/>
+    <p:sldId id="260" r:id="rId5"/>
+    <p:sldId id="261" r:id="rId6"/>
+    <p:sldId id="268" r:id="rId7"/>
+    <p:sldId id="262" r:id="rId8"/>
+    <p:sldId id="266" r:id="rId9"/>
+    <p:sldId id="263" r:id="rId10"/>
     <p:sldId id="264" r:id="rId11"/>
   </p:sldIdLst>
   <p:sldSz cx="12192000" cy="6858000"/>
@@ -9216,7 +9216,7 @@
           <a:p>
             <a:fld id="{36867AE4-93F8-420B-AB0B-B9821B4F7D47}" type="datetimeFigureOut">
               <a:rPr lang="pl-PL" smtClean="0"/>
-              <a:t>02.12.2021</a:t>
+              <a:t>08.01.2022</a:t>
             </a:fld>
             <a:endParaRPr lang="pl-PL"/>
           </a:p>
@@ -9632,7 +9632,7 @@
           <a:p>
             <a:fld id="{E32E170D-C263-4731-AA1D-6282877CB664}" type="slidenum">
               <a:rPr lang="pl-PL" smtClean="0"/>
-              <a:t>4</a:t>
+              <a:t>5</a:t>
             </a:fld>
             <a:endParaRPr lang="pl-PL"/>
           </a:p>
@@ -9641,7 +9641,7 @@
     </p:spTree>
     <p:extLst>
       <p:ext uri="{BB962C8B-B14F-4D97-AF65-F5344CB8AC3E}">
-        <p14:creationId xmlns:p14="http://schemas.microsoft.com/office/powerpoint/2010/main" val="2486161864"/>
+        <p14:creationId xmlns:p14="http://schemas.microsoft.com/office/powerpoint/2010/main" val="2411480671"/>
       </p:ext>
     </p:extLst>
   </p:cSld>
@@ -9725,7 +9725,7 @@
     </p:spTree>
     <p:extLst>
       <p:ext uri="{BB962C8B-B14F-4D97-AF65-F5344CB8AC3E}">
-        <p14:creationId xmlns:p14="http://schemas.microsoft.com/office/powerpoint/2010/main" val="2411480671"/>
+        <p14:creationId xmlns:p14="http://schemas.microsoft.com/office/powerpoint/2010/main" val="162877912"/>
       </p:ext>
     </p:extLst>
   </p:cSld>
@@ -9809,7 +9809,7 @@
     </p:spTree>
     <p:extLst>
       <p:ext uri="{BB962C8B-B14F-4D97-AF65-F5344CB8AC3E}">
-        <p14:creationId xmlns:p14="http://schemas.microsoft.com/office/powerpoint/2010/main" val="162877912"/>
+        <p14:creationId xmlns:p14="http://schemas.microsoft.com/office/powerpoint/2010/main" val="1317722660"/>
       </p:ext>
     </p:extLst>
   </p:cSld>
@@ -9820,90 +9820,6 @@
 </file>
 
 <file path=ppt/notesSlides/notesSlide5.xml><?xml version="1.0" encoding="utf-8"?>
-<p:notes xmlns:a="http://schemas.openxmlformats.org/drawingml/2006/main" xmlns:r="http://schemas.openxmlformats.org/officeDocument/2006/relationships" xmlns:p="http://schemas.openxmlformats.org/presentationml/2006/main">
-  <p:cSld>
-    <p:spTree>
-      <p:nvGrpSpPr>
-        <p:cNvPr id="1" name=""/>
-        <p:cNvGrpSpPr/>
-        <p:nvPr/>
-      </p:nvGrpSpPr>
-      <p:grpSpPr>
-        <a:xfrm>
-          <a:off x="0" y="0"/>
-          <a:ext cx="0" cy="0"/>
-          <a:chOff x="0" y="0"/>
-          <a:chExt cx="0" cy="0"/>
-        </a:xfrm>
-      </p:grpSpPr>
-      <p:sp>
-        <p:nvSpPr>
-          <p:cNvPr id="2" name="Symbol zastępczy obrazu slajdu 1"/>
-          <p:cNvSpPr>
-            <a:spLocks noGrp="1" noRot="1" noChangeAspect="1"/>
-          </p:cNvSpPr>
-          <p:nvPr>
-            <p:ph type="sldImg"/>
-          </p:nvPr>
-        </p:nvSpPr>
-        <p:spPr/>
-      </p:sp>
-      <p:sp>
-        <p:nvSpPr>
-          <p:cNvPr id="3" name="Symbol zastępczy notatek 2"/>
-          <p:cNvSpPr>
-            <a:spLocks noGrp="1"/>
-          </p:cNvSpPr>
-          <p:nvPr>
-            <p:ph type="body" idx="1"/>
-          </p:nvPr>
-        </p:nvSpPr>
-        <p:spPr/>
-        <p:txBody>
-          <a:bodyPr/>
-          <a:lstStyle/>
-          <a:p>
-            <a:endParaRPr lang="pl-PL" dirty="0"/>
-          </a:p>
-        </p:txBody>
-      </p:sp>
-      <p:sp>
-        <p:nvSpPr>
-          <p:cNvPr id="4" name="Symbol zastępczy numeru slajdu 3"/>
-          <p:cNvSpPr>
-            <a:spLocks noGrp="1"/>
-          </p:cNvSpPr>
-          <p:nvPr>
-            <p:ph type="sldNum" sz="quarter" idx="5"/>
-          </p:nvPr>
-        </p:nvSpPr>
-        <p:spPr/>
-        <p:txBody>
-          <a:bodyPr/>
-          <a:lstStyle/>
-          <a:p>
-            <a:fld id="{E32E170D-C263-4731-AA1D-6282877CB664}" type="slidenum">
-              <a:rPr lang="pl-PL" smtClean="0"/>
-              <a:t>8</a:t>
-            </a:fld>
-            <a:endParaRPr lang="pl-PL"/>
-          </a:p>
-        </p:txBody>
-      </p:sp>
-    </p:spTree>
-    <p:extLst>
-      <p:ext uri="{BB962C8B-B14F-4D97-AF65-F5344CB8AC3E}">
-        <p14:creationId xmlns:p14="http://schemas.microsoft.com/office/powerpoint/2010/main" val="1317722660"/>
-      </p:ext>
-    </p:extLst>
-  </p:cSld>
-  <p:clrMapOvr>
-    <a:masterClrMapping/>
-  </p:clrMapOvr>
-</p:notes>
-</file>
-
-<file path=ppt/notesSlides/notesSlide6.xml><?xml version="1.0" encoding="utf-8"?>
 <p:notes xmlns:a="http://schemas.openxmlformats.org/drawingml/2006/main" xmlns:r="http://schemas.openxmlformats.org/officeDocument/2006/relationships" xmlns:p="http://schemas.openxmlformats.org/presentationml/2006/main">
   <p:cSld>
     <p:spTree>
@@ -10215,7 +10131,7 @@
           <a:p>
             <a:fld id="{E32E170D-C263-4731-AA1D-6282877CB664}" type="slidenum">
               <a:rPr lang="pl-PL" smtClean="0"/>
-              <a:t>9</a:t>
+              <a:t>8</a:t>
             </a:fld>
             <a:endParaRPr lang="pl-PL"/>
           </a:p>
@@ -10225,6 +10141,90 @@
     <p:extLst>
       <p:ext uri="{BB962C8B-B14F-4D97-AF65-F5344CB8AC3E}">
         <p14:creationId xmlns:p14="http://schemas.microsoft.com/office/powerpoint/2010/main" val="1812134237"/>
+      </p:ext>
+    </p:extLst>
+  </p:cSld>
+  <p:clrMapOvr>
+    <a:masterClrMapping/>
+  </p:clrMapOvr>
+</p:notes>
+</file>
+
+<file path=ppt/notesSlides/notesSlide6.xml><?xml version="1.0" encoding="utf-8"?>
+<p:notes xmlns:a="http://schemas.openxmlformats.org/drawingml/2006/main" xmlns:r="http://schemas.openxmlformats.org/officeDocument/2006/relationships" xmlns:p="http://schemas.openxmlformats.org/presentationml/2006/main">
+  <p:cSld>
+    <p:spTree>
+      <p:nvGrpSpPr>
+        <p:cNvPr id="1" name=""/>
+        <p:cNvGrpSpPr/>
+        <p:nvPr/>
+      </p:nvGrpSpPr>
+      <p:grpSpPr>
+        <a:xfrm>
+          <a:off x="0" y="0"/>
+          <a:ext cx="0" cy="0"/>
+          <a:chOff x="0" y="0"/>
+          <a:chExt cx="0" cy="0"/>
+        </a:xfrm>
+      </p:grpSpPr>
+      <p:sp>
+        <p:nvSpPr>
+          <p:cNvPr id="2" name="Symbol zastępczy obrazu slajdu 1"/>
+          <p:cNvSpPr>
+            <a:spLocks noGrp="1" noRot="1" noChangeAspect="1"/>
+          </p:cNvSpPr>
+          <p:nvPr>
+            <p:ph type="sldImg"/>
+          </p:nvPr>
+        </p:nvSpPr>
+        <p:spPr/>
+      </p:sp>
+      <p:sp>
+        <p:nvSpPr>
+          <p:cNvPr id="3" name="Symbol zastępczy notatek 2"/>
+          <p:cNvSpPr>
+            <a:spLocks noGrp="1"/>
+          </p:cNvSpPr>
+          <p:nvPr>
+            <p:ph type="body" idx="1"/>
+          </p:nvPr>
+        </p:nvSpPr>
+        <p:spPr/>
+        <p:txBody>
+          <a:bodyPr/>
+          <a:lstStyle/>
+          <a:p>
+            <a:endParaRPr lang="pl-PL" dirty="0"/>
+          </a:p>
+        </p:txBody>
+      </p:sp>
+      <p:sp>
+        <p:nvSpPr>
+          <p:cNvPr id="4" name="Symbol zastępczy numeru slajdu 3"/>
+          <p:cNvSpPr>
+            <a:spLocks noGrp="1"/>
+          </p:cNvSpPr>
+          <p:nvPr>
+            <p:ph type="sldNum" sz="quarter" idx="5"/>
+          </p:nvPr>
+        </p:nvSpPr>
+        <p:spPr/>
+        <p:txBody>
+          <a:bodyPr/>
+          <a:lstStyle/>
+          <a:p>
+            <a:fld id="{E32E170D-C263-4731-AA1D-6282877CB664}" type="slidenum">
+              <a:rPr lang="pl-PL" smtClean="0"/>
+              <a:t>9</a:t>
+            </a:fld>
+            <a:endParaRPr lang="pl-PL"/>
+          </a:p>
+        </p:txBody>
+      </p:sp>
+    </p:spTree>
+    <p:extLst>
+      <p:ext uri="{BB962C8B-B14F-4D97-AF65-F5344CB8AC3E}">
+        <p14:creationId xmlns:p14="http://schemas.microsoft.com/office/powerpoint/2010/main" val="2486161864"/>
       </p:ext>
     </p:extLst>
   </p:cSld>
@@ -10692,7 +10692,7 @@
             <a:fld id="{B61BEF0D-F0BB-DE4B-95CE-6DB70DBA9567}" type="datetimeFigureOut">
               <a:rPr lang="en-US" dirty="0"/>
               <a:pPr/>
-              <a:t>12/2/2021</a:t>
+              <a:t>1/8/2022</a:t>
             </a:fld>
             <a:endParaRPr lang="en-US" dirty="0"/>
           </a:p>
@@ -11125,7 +11125,7 @@
             <a:fld id="{B61BEF0D-F0BB-DE4B-95CE-6DB70DBA9567}" type="datetimeFigureOut">
               <a:rPr lang="en-US" dirty="0"/>
               <a:pPr/>
-              <a:t>12/2/2021</a:t>
+              <a:t>1/8/2022</a:t>
             </a:fld>
             <a:endParaRPr lang="en-US" dirty="0"/>
           </a:p>
@@ -11372,7 +11372,7 @@
             <a:fld id="{B61BEF0D-F0BB-DE4B-95CE-6DB70DBA9567}" type="datetimeFigureOut">
               <a:rPr lang="en-US" dirty="0"/>
               <a:pPr/>
-              <a:t>12/2/2021</a:t>
+              <a:t>1/8/2022</a:t>
             </a:fld>
             <a:endParaRPr lang="en-US" dirty="0"/>
           </a:p>
@@ -11677,7 +11677,7 @@
             <a:fld id="{B61BEF0D-F0BB-DE4B-95CE-6DB70DBA9567}" type="datetimeFigureOut">
               <a:rPr lang="en-US" dirty="0"/>
               <a:pPr/>
-              <a:t>12/2/2021</a:t>
+              <a:t>1/8/2022</a:t>
             </a:fld>
             <a:endParaRPr lang="en-US" dirty="0"/>
           </a:p>
@@ -11992,7 +11992,7 @@
             <a:fld id="{B61BEF0D-F0BB-DE4B-95CE-6DB70DBA9567}" type="datetimeFigureOut">
               <a:rPr lang="en-US" dirty="0"/>
               <a:pPr/>
-              <a:t>12/2/2021</a:t>
+              <a:t>1/8/2022</a:t>
             </a:fld>
             <a:endParaRPr lang="en-US" dirty="0"/>
           </a:p>
@@ -12291,7 +12291,7 @@
             <a:fld id="{B61BEF0D-F0BB-DE4B-95CE-6DB70DBA9567}" type="datetimeFigureOut">
               <a:rPr lang="en-US" dirty="0"/>
               <a:pPr/>
-              <a:t>12/2/2021</a:t>
+              <a:t>1/8/2022</a:t>
             </a:fld>
             <a:endParaRPr lang="en-US" dirty="0"/>
           </a:p>
@@ -12655,7 +12655,7 @@
             <a:fld id="{B61BEF0D-F0BB-DE4B-95CE-6DB70DBA9567}" type="datetimeFigureOut">
               <a:rPr lang="en-US" dirty="0"/>
               <a:pPr/>
-              <a:t>12/2/2021</a:t>
+              <a:t>1/8/2022</a:t>
             </a:fld>
             <a:endParaRPr lang="en-US" dirty="0"/>
           </a:p>
@@ -12826,7 +12826,7 @@
             <a:fld id="{B61BEF0D-F0BB-DE4B-95CE-6DB70DBA9567}" type="datetimeFigureOut">
               <a:rPr lang="en-US" dirty="0"/>
               <a:pPr/>
-              <a:t>12/2/2021</a:t>
+              <a:t>1/8/2022</a:t>
             </a:fld>
             <a:endParaRPr lang="en-US" dirty="0"/>
           </a:p>
@@ -13003,7 +13003,7 @@
             <a:fld id="{B61BEF0D-F0BB-DE4B-95CE-6DB70DBA9567}" type="datetimeFigureOut">
               <a:rPr lang="en-US" dirty="0"/>
               <a:pPr/>
-              <a:t>12/2/2021</a:t>
+              <a:t>1/8/2022</a:t>
             </a:fld>
             <a:endParaRPr lang="en-US" dirty="0"/>
           </a:p>
@@ -13170,7 +13170,7 @@
             <a:fld id="{B61BEF0D-F0BB-DE4B-95CE-6DB70DBA9567}" type="datetimeFigureOut">
               <a:rPr lang="en-US" dirty="0"/>
               <a:pPr/>
-              <a:t>12/2/2021</a:t>
+              <a:t>1/8/2022</a:t>
             </a:fld>
             <a:endParaRPr lang="en-US" dirty="0"/>
           </a:p>
@@ -13417,7 +13417,7 @@
             <a:fld id="{B61BEF0D-F0BB-DE4B-95CE-6DB70DBA9567}" type="datetimeFigureOut">
               <a:rPr lang="en-US" dirty="0"/>
               <a:pPr/>
-              <a:t>12/2/2021</a:t>
+              <a:t>1/8/2022</a:t>
             </a:fld>
             <a:endParaRPr lang="en-US" dirty="0"/>
           </a:p>
@@ -13650,7 +13650,7 @@
             <a:fld id="{B61BEF0D-F0BB-DE4B-95CE-6DB70DBA9567}" type="datetimeFigureOut">
               <a:rPr lang="en-US" dirty="0"/>
               <a:pPr/>
-              <a:t>12/2/2021</a:t>
+              <a:t>1/8/2022</a:t>
             </a:fld>
             <a:endParaRPr lang="en-US" dirty="0"/>
           </a:p>
@@ -14029,7 +14029,7 @@
             <a:fld id="{B61BEF0D-F0BB-DE4B-95CE-6DB70DBA9567}" type="datetimeFigureOut">
               <a:rPr lang="en-US" dirty="0"/>
               <a:pPr/>
-              <a:t>12/2/2021</a:t>
+              <a:t>1/8/2022</a:t>
             </a:fld>
             <a:endParaRPr lang="en-US" dirty="0"/>
           </a:p>
@@ -14144,7 +14144,7 @@
             <a:fld id="{B61BEF0D-F0BB-DE4B-95CE-6DB70DBA9567}" type="datetimeFigureOut">
               <a:rPr lang="en-US" dirty="0"/>
               <a:pPr/>
-              <a:t>12/2/2021</a:t>
+              <a:t>1/8/2022</a:t>
             </a:fld>
             <a:endParaRPr lang="en-US" dirty="0"/>
           </a:p>
@@ -14236,7 +14236,7 @@
             <a:fld id="{B61BEF0D-F0BB-DE4B-95CE-6DB70DBA9567}" type="datetimeFigureOut">
               <a:rPr lang="en-US" dirty="0"/>
               <a:pPr/>
-              <a:t>12/2/2021</a:t>
+              <a:t>1/8/2022</a:t>
             </a:fld>
             <a:endParaRPr lang="en-US" dirty="0"/>
           </a:p>
@@ -14488,7 +14488,7 @@
             <a:fld id="{B61BEF0D-F0BB-DE4B-95CE-6DB70DBA9567}" type="datetimeFigureOut">
               <a:rPr lang="en-US" dirty="0"/>
               <a:pPr/>
-              <a:t>12/2/2021</a:t>
+              <a:t>1/8/2022</a:t>
             </a:fld>
             <a:endParaRPr lang="en-US" dirty="0"/>
           </a:p>
@@ -14768,7 +14768,7 @@
             <a:fld id="{B61BEF0D-F0BB-DE4B-95CE-6DB70DBA9567}" type="datetimeFigureOut">
               <a:rPr lang="en-US" dirty="0"/>
               <a:pPr/>
-              <a:t>12/2/2021</a:t>
+              <a:t>1/8/2022</a:t>
             </a:fld>
             <a:endParaRPr lang="en-US" dirty="0"/>
           </a:p>
@@ -15171,7 +15171,7 @@
             <a:fld id="{B61BEF0D-F0BB-DE4B-95CE-6DB70DBA9567}" type="datetimeFigureOut">
               <a:rPr lang="en-US" dirty="0"/>
               <a:pPr/>
-              <a:t>12/2/2021</a:t>
+              <a:t>1/8/2022</a:t>
             </a:fld>
             <a:endParaRPr lang="en-US" dirty="0"/>
           </a:p>
@@ -17203,149 +17203,6 @@
 <file path=ppt/slides/slide4.xml><?xml version="1.0" encoding="utf-8"?>
 <p:sld xmlns:a="http://schemas.openxmlformats.org/drawingml/2006/main" xmlns:r="http://schemas.openxmlformats.org/officeDocument/2006/relationships" xmlns:p="http://schemas.openxmlformats.org/presentationml/2006/main">
   <p:cSld>
-    <p:spTree>
-      <p:nvGrpSpPr>
-        <p:cNvPr id="1" name=""/>
-        <p:cNvGrpSpPr/>
-        <p:nvPr/>
-      </p:nvGrpSpPr>
-      <p:grpSpPr>
-        <a:xfrm>
-          <a:off x="0" y="0"/>
-          <a:ext cx="0" cy="0"/>
-          <a:chOff x="0" y="0"/>
-          <a:chExt cx="0" cy="0"/>
-        </a:xfrm>
-      </p:grpSpPr>
-      <p:sp>
-        <p:nvSpPr>
-          <p:cNvPr id="2" name="Tytuł 1">
-            <a:extLst>
-              <a:ext uri="{FF2B5EF4-FFF2-40B4-BE49-F238E27FC236}">
-                <a16:creationId xmlns:a16="http://schemas.microsoft.com/office/drawing/2014/main" id="{A24AB604-36CE-47D1-B463-00FA64198717}"/>
-              </a:ext>
-            </a:extLst>
-          </p:cNvPr>
-          <p:cNvSpPr>
-            <a:spLocks noGrp="1"/>
-          </p:cNvSpPr>
-          <p:nvPr>
-            <p:ph type="title"/>
-          </p:nvPr>
-        </p:nvSpPr>
-        <p:spPr/>
-        <p:txBody>
-          <a:bodyPr/>
-          <a:lstStyle/>
-          <a:p>
-            <a:r>
-              <a:rPr lang="pl-PL" dirty="0"/>
-              <a:t>Poziomy Spójności</a:t>
-            </a:r>
-          </a:p>
-        </p:txBody>
-      </p:sp>
-      <p:sp>
-        <p:nvSpPr>
-          <p:cNvPr id="3" name="Symbol zastępczy zawartości 2">
-            <a:extLst>
-              <a:ext uri="{FF2B5EF4-FFF2-40B4-BE49-F238E27FC236}">
-                <a16:creationId xmlns:a16="http://schemas.microsoft.com/office/drawing/2014/main" id="{1AAE82D2-3113-497D-AD08-6E22C7251537}"/>
-              </a:ext>
-            </a:extLst>
-          </p:cNvPr>
-          <p:cNvSpPr>
-            <a:spLocks noGrp="1"/>
-          </p:cNvSpPr>
-          <p:nvPr>
-            <p:ph idx="1"/>
-          </p:nvPr>
-        </p:nvSpPr>
-        <p:spPr/>
-        <p:txBody>
-          <a:bodyPr/>
-          <a:lstStyle/>
-          <a:p>
-            <a:r>
-              <a:rPr lang="pl-PL" dirty="0">
-                <a:solidFill>
-                  <a:schemeClr val="tx1"/>
-                </a:solidFill>
-              </a:rPr>
-              <a:t>Spójność ścisła</a:t>
-            </a:r>
-          </a:p>
-          <a:p>
-            <a:r>
-              <a:rPr lang="pl-PL" dirty="0">
-                <a:solidFill>
-                  <a:schemeClr val="tx1"/>
-                </a:solidFill>
-              </a:rPr>
-              <a:t>Spójność przyczynowa</a:t>
-            </a:r>
-          </a:p>
-          <a:p>
-            <a:r>
-              <a:rPr lang="pl-PL" dirty="0">
-                <a:solidFill>
-                  <a:schemeClr val="tx1"/>
-                </a:solidFill>
-              </a:rPr>
-              <a:t>Spójność monotoniczna</a:t>
-            </a:r>
-          </a:p>
-          <a:p>
-            <a:r>
-              <a:rPr lang="pl-PL" dirty="0">
-                <a:solidFill>
-                  <a:schemeClr val="tx1"/>
-                </a:solidFill>
-              </a:rPr>
-              <a:t>Wczytywanie własnych zapisów użytkownika</a:t>
-            </a:r>
-          </a:p>
-          <a:p>
-            <a:r>
-              <a:rPr lang="pl-PL" dirty="0">
-                <a:solidFill>
-                  <a:schemeClr val="tx1"/>
-                </a:solidFill>
-              </a:rPr>
-              <a:t>Spójność ostateczna</a:t>
-            </a:r>
-          </a:p>
-          <a:p>
-            <a:r>
-              <a:rPr lang="pl-PL" dirty="0">
-                <a:solidFill>
-                  <a:schemeClr val="tx1"/>
-                </a:solidFill>
-              </a:rPr>
-              <a:t>Spójność słaba</a:t>
-            </a:r>
-          </a:p>
-          <a:p>
-            <a:endParaRPr lang="pl-PL" dirty="0"/>
-          </a:p>
-        </p:txBody>
-      </p:sp>
-    </p:spTree>
-    <p:extLst>
-      <p:ext uri="{BB962C8B-B14F-4D97-AF65-F5344CB8AC3E}">
-        <p14:creationId xmlns:p14="http://schemas.microsoft.com/office/powerpoint/2010/main" val="1753011130"/>
-      </p:ext>
-    </p:extLst>
-  </p:cSld>
-  <p:clrMapOvr>
-    <a:masterClrMapping/>
-  </p:clrMapOvr>
-</p:sld>
-</file>
-
-<file path=ppt/slides/slide5.xml><?xml version="1.0" encoding="utf-8"?>
-<p:sld xmlns:a="http://schemas.openxmlformats.org/drawingml/2006/main" xmlns:r="http://schemas.openxmlformats.org/officeDocument/2006/relationships" xmlns:p="http://schemas.openxmlformats.org/presentationml/2006/main">
-  <p:cSld>
     <p:bg>
       <p:bgPr>
         <a:gradFill rotWithShape="1">
@@ -17913,7 +17770,7 @@
 </p:sld>
 </file>
 
-<file path=ppt/slides/slide6.xml><?xml version="1.0" encoding="utf-8"?>
+<file path=ppt/slides/slide5.xml><?xml version="1.0" encoding="utf-8"?>
 <p:sld xmlns:a="http://schemas.openxmlformats.org/drawingml/2006/main" xmlns:r="http://schemas.openxmlformats.org/officeDocument/2006/relationships" xmlns:p="http://schemas.openxmlformats.org/presentationml/2006/main">
   <p:cSld>
     <p:bg>
@@ -18170,7 +18027,7 @@
 </p:sld>
 </file>
 
-<file path=ppt/slides/slide7.xml><?xml version="1.0" encoding="utf-8"?>
+<file path=ppt/slides/slide6.xml><?xml version="1.0" encoding="utf-8"?>
 <p:sld xmlns:a="http://schemas.openxmlformats.org/drawingml/2006/main" xmlns:r="http://schemas.openxmlformats.org/officeDocument/2006/relationships" xmlns:p="http://schemas.openxmlformats.org/presentationml/2006/main">
   <p:cSld>
     <p:spTree>
@@ -18318,7 +18175,7 @@
 </p:sld>
 </file>
 
-<file path=ppt/slides/slide8.xml><?xml version="1.0" encoding="utf-8"?>
+<file path=ppt/slides/slide7.xml><?xml version="1.0" encoding="utf-8"?>
 <p:sld xmlns:a="http://schemas.openxmlformats.org/drawingml/2006/main" xmlns:r="http://schemas.openxmlformats.org/officeDocument/2006/relationships" xmlns:p="http://schemas.openxmlformats.org/presentationml/2006/main">
   <p:cSld>
     <p:bg>
@@ -19063,7 +18920,7 @@
 </p:sld>
 </file>
 
-<file path=ppt/slides/slide9.xml><?xml version="1.0" encoding="utf-8"?>
+<file path=ppt/slides/slide8.xml><?xml version="1.0" encoding="utf-8"?>
 <p:sld xmlns:a="http://schemas.openxmlformats.org/drawingml/2006/main" xmlns:r="http://schemas.openxmlformats.org/officeDocument/2006/relationships" xmlns:p="http://schemas.openxmlformats.org/presentationml/2006/main">
   <p:cSld>
     <p:spTree>
@@ -19206,6 +19063,149 @@
     <p:extLst>
       <p:ext uri="{BB962C8B-B14F-4D97-AF65-F5344CB8AC3E}">
         <p14:creationId xmlns:p14="http://schemas.microsoft.com/office/powerpoint/2010/main" val="1957456809"/>
+      </p:ext>
+    </p:extLst>
+  </p:cSld>
+  <p:clrMapOvr>
+    <a:masterClrMapping/>
+  </p:clrMapOvr>
+</p:sld>
+</file>
+
+<file path=ppt/slides/slide9.xml><?xml version="1.0" encoding="utf-8"?>
+<p:sld xmlns:a="http://schemas.openxmlformats.org/drawingml/2006/main" xmlns:r="http://schemas.openxmlformats.org/officeDocument/2006/relationships" xmlns:p="http://schemas.openxmlformats.org/presentationml/2006/main">
+  <p:cSld>
+    <p:spTree>
+      <p:nvGrpSpPr>
+        <p:cNvPr id="1" name=""/>
+        <p:cNvGrpSpPr/>
+        <p:nvPr/>
+      </p:nvGrpSpPr>
+      <p:grpSpPr>
+        <a:xfrm>
+          <a:off x="0" y="0"/>
+          <a:ext cx="0" cy="0"/>
+          <a:chOff x="0" y="0"/>
+          <a:chExt cx="0" cy="0"/>
+        </a:xfrm>
+      </p:grpSpPr>
+      <p:sp>
+        <p:nvSpPr>
+          <p:cNvPr id="2" name="Tytuł 1">
+            <a:extLst>
+              <a:ext uri="{FF2B5EF4-FFF2-40B4-BE49-F238E27FC236}">
+                <a16:creationId xmlns:a16="http://schemas.microsoft.com/office/drawing/2014/main" id="{A24AB604-36CE-47D1-B463-00FA64198717}"/>
+              </a:ext>
+            </a:extLst>
+          </p:cNvPr>
+          <p:cNvSpPr>
+            <a:spLocks noGrp="1"/>
+          </p:cNvSpPr>
+          <p:nvPr>
+            <p:ph type="title"/>
+          </p:nvPr>
+        </p:nvSpPr>
+        <p:spPr/>
+        <p:txBody>
+          <a:bodyPr/>
+          <a:lstStyle/>
+          <a:p>
+            <a:r>
+              <a:rPr lang="pl-PL" dirty="0"/>
+              <a:t>Poziomy Spójności</a:t>
+            </a:r>
+          </a:p>
+        </p:txBody>
+      </p:sp>
+      <p:sp>
+        <p:nvSpPr>
+          <p:cNvPr id="3" name="Symbol zastępczy zawartości 2">
+            <a:extLst>
+              <a:ext uri="{FF2B5EF4-FFF2-40B4-BE49-F238E27FC236}">
+                <a16:creationId xmlns:a16="http://schemas.microsoft.com/office/drawing/2014/main" id="{1AAE82D2-3113-497D-AD08-6E22C7251537}"/>
+              </a:ext>
+            </a:extLst>
+          </p:cNvPr>
+          <p:cNvSpPr>
+            <a:spLocks noGrp="1"/>
+          </p:cNvSpPr>
+          <p:nvPr>
+            <p:ph idx="1"/>
+          </p:nvPr>
+        </p:nvSpPr>
+        <p:spPr/>
+        <p:txBody>
+          <a:bodyPr/>
+          <a:lstStyle/>
+          <a:p>
+            <a:r>
+              <a:rPr lang="pl-PL" dirty="0">
+                <a:solidFill>
+                  <a:schemeClr val="tx1"/>
+                </a:solidFill>
+              </a:rPr>
+              <a:t>Spójność ścisła</a:t>
+            </a:r>
+          </a:p>
+          <a:p>
+            <a:r>
+              <a:rPr lang="pl-PL" dirty="0">
+                <a:solidFill>
+                  <a:schemeClr val="tx1"/>
+                </a:solidFill>
+              </a:rPr>
+              <a:t>Spójność przyczynowa</a:t>
+            </a:r>
+          </a:p>
+          <a:p>
+            <a:r>
+              <a:rPr lang="pl-PL" dirty="0">
+                <a:solidFill>
+                  <a:schemeClr val="tx1"/>
+                </a:solidFill>
+              </a:rPr>
+              <a:t>Spójność monotoniczna</a:t>
+            </a:r>
+          </a:p>
+          <a:p>
+            <a:r>
+              <a:rPr lang="pl-PL" dirty="0">
+                <a:solidFill>
+                  <a:schemeClr val="tx1"/>
+                </a:solidFill>
+              </a:rPr>
+              <a:t>Wczytywanie własnych zapisów użytkownika</a:t>
+            </a:r>
+          </a:p>
+          <a:p>
+            <a:r>
+              <a:rPr lang="pl-PL" dirty="0">
+                <a:solidFill>
+                  <a:schemeClr val="tx1"/>
+                </a:solidFill>
+              </a:rPr>
+              <a:t>Spójność ostateczna</a:t>
+            </a:r>
+          </a:p>
+          <a:p>
+            <a:r>
+              <a:rPr lang="pl-PL" dirty="0">
+                <a:solidFill>
+                  <a:schemeClr val="tx1"/>
+                </a:solidFill>
+              </a:rPr>
+              <a:t>Spójność słaba</a:t>
+            </a:r>
+          </a:p>
+          <a:p>
+            <a:endParaRPr lang="pl-PL" dirty="0"/>
+          </a:p>
+        </p:txBody>
+      </p:sp>
+    </p:spTree>
+    <p:extLst>
+      <p:ext uri="{BB962C8B-B14F-4D97-AF65-F5344CB8AC3E}">
+        <p14:creationId xmlns:p14="http://schemas.microsoft.com/office/powerpoint/2010/main" val="1753011130"/>
       </p:ext>
     </p:extLst>
   </p:cSld>
